--- a/Figure-4-4/Figure44/Figure44_blog.pptx
+++ b/Figure-4-4/Figure44/Figure44_blog.pptx
@@ -673,6 +673,284 @@
             <a:r>
               <a:rPr/>
               <a:t>(2020-21)</a:t>
+            </a:r>
+          </a:p>
+          <a:p>
+            <a:pPr lvl="0" marL="0" indent="0">
+              <a:buNone/>
+            </a:pPr>
+          </a:p>
+          <a:p>
+            <a:pPr lvl="0" marL="0" indent="0">
+              <a:buNone/>
+            </a:pPr>
+            <a:r>
+              <a:rPr/>
+              <a:t>Notes:</a:t>
+            </a:r>
+            <a:r>
+              <a:rPr/>
+              <a:t> </a:t>
+            </a:r>
+            <a:r>
+              <a:rPr/>
+              <a:t>Projections</a:t>
+            </a:r>
+            <a:r>
+              <a:rPr/>
+              <a:t> </a:t>
+            </a:r>
+            <a:r>
+              <a:rPr/>
+              <a:t>to</a:t>
+            </a:r>
+            <a:r>
+              <a:rPr/>
+              <a:t> </a:t>
+            </a:r>
+            <a:r>
+              <a:rPr/>
+              <a:t>2020-21</a:t>
+            </a:r>
+            <a:r>
+              <a:rPr/>
+              <a:t> </a:t>
+            </a:r>
+            <a:r>
+              <a:rPr/>
+              <a:t>assume</a:t>
+            </a:r>
+            <a:r>
+              <a:rPr/>
+              <a:t> </a:t>
+            </a:r>
+            <a:r>
+              <a:rPr/>
+              <a:t>2%</a:t>
+            </a:r>
+            <a:r>
+              <a:rPr/>
+              <a:t> </a:t>
+            </a:r>
+            <a:r>
+              <a:rPr/>
+              <a:t>wage</a:t>
+            </a:r>
+            <a:r>
+              <a:rPr/>
+              <a:t> </a:t>
+            </a:r>
+            <a:r>
+              <a:rPr/>
+              <a:t>growth</a:t>
+            </a:r>
+            <a:r>
+              <a:rPr/>
+              <a:t> </a:t>
+            </a:r>
+            <a:r>
+              <a:rPr/>
+              <a:t>and</a:t>
+            </a:r>
+            <a:r>
+              <a:rPr/>
+              <a:t> </a:t>
+            </a:r>
+            <a:r>
+              <a:rPr/>
+              <a:t>0%</a:t>
+            </a:r>
+            <a:r>
+              <a:rPr/>
+              <a:t> </a:t>
+            </a:r>
+            <a:r>
+              <a:rPr/>
+              <a:t>growth</a:t>
+            </a:r>
+            <a:r>
+              <a:rPr/>
+              <a:t> </a:t>
+            </a:r>
+            <a:r>
+              <a:rPr/>
+              <a:t>in</a:t>
+            </a:r>
+            <a:r>
+              <a:rPr/>
+              <a:t> </a:t>
+            </a:r>
+            <a:r>
+              <a:rPr/>
+              <a:t>the</a:t>
+            </a:r>
+            <a:r>
+              <a:rPr/>
+              <a:t> </a:t>
+            </a:r>
+            <a:r>
+              <a:rPr/>
+              <a:t>number</a:t>
+            </a:r>
+            <a:r>
+              <a:rPr/>
+              <a:t> </a:t>
+            </a:r>
+            <a:r>
+              <a:rPr/>
+              <a:t>of</a:t>
+            </a:r>
+            <a:r>
+              <a:rPr/>
+              <a:t> </a:t>
+            </a:r>
+            <a:r>
+              <a:rPr/>
+              <a:t>taxfilers</a:t>
+            </a:r>
+            <a:r>
+              <a:rPr/>
+              <a:t> </a:t>
+            </a:r>
+            <a:r>
+              <a:rPr/>
+              <a:t>from</a:t>
+            </a:r>
+            <a:r>
+              <a:rPr/>
+              <a:t> </a:t>
+            </a:r>
+            <a:r>
+              <a:rPr/>
+              <a:t>2019-20</a:t>
+            </a:r>
+            <a:r>
+              <a:rPr/>
+              <a:t> </a:t>
+            </a:r>
+            <a:r>
+              <a:rPr/>
+              <a:t>to</a:t>
+            </a:r>
+            <a:r>
+              <a:rPr/>
+              <a:t> </a:t>
+            </a:r>
+            <a:r>
+              <a:rPr/>
+              <a:t>2020-21.</a:t>
+            </a:r>
+            <a:r>
+              <a:rPr/>
+              <a:t> </a:t>
+            </a:r>
+            <a:r>
+              <a:rPr/>
+              <a:t>Taxable</a:t>
+            </a:r>
+            <a:r>
+              <a:rPr/>
+              <a:t> </a:t>
+            </a:r>
+            <a:r>
+              <a:rPr/>
+              <a:t>income</a:t>
+            </a:r>
+            <a:r>
+              <a:rPr/>
+              <a:t> </a:t>
+            </a:r>
+            <a:r>
+              <a:rPr/>
+              <a:t>deciles</a:t>
+            </a:r>
+            <a:r>
+              <a:rPr/>
+              <a:t> </a:t>
+            </a:r>
+            <a:r>
+              <a:rPr/>
+              <a:t>based</a:t>
+            </a:r>
+            <a:r>
+              <a:rPr/>
+              <a:t> </a:t>
+            </a:r>
+            <a:r>
+              <a:rPr/>
+              <a:t>on</a:t>
+            </a:r>
+            <a:r>
+              <a:rPr/>
+              <a:t> </a:t>
+            </a:r>
+            <a:r>
+              <a:rPr/>
+              <a:t>50+</a:t>
+            </a:r>
+            <a:r>
+              <a:rPr/>
+              <a:t> </a:t>
+            </a:r>
+            <a:r>
+              <a:rPr/>
+              <a:t>taxfilers</a:t>
+            </a:r>
+            <a:r>
+              <a:rPr/>
+              <a:t> </a:t>
+            </a:r>
+            <a:r>
+              <a:rPr/>
+              <a:t>only.</a:t>
+            </a:r>
+            <a:r>
+              <a:rPr/>
+              <a:t> </a:t>
+            </a:r>
+            <a:r>
+              <a:rPr/>
+              <a:t>Source:</a:t>
+            </a:r>
+            <a:r>
+              <a:rPr/>
+              <a:t> </a:t>
+            </a:r>
+            <a:r>
+              <a:rPr/>
+              <a:t>ATO</a:t>
+            </a:r>
+            <a:r>
+              <a:rPr/>
+              <a:t> </a:t>
+            </a:r>
+            <a:r>
+              <a:rPr/>
+              <a:t>2017-18</a:t>
+            </a:r>
+            <a:r>
+              <a:rPr/>
+              <a:t> </a:t>
+            </a:r>
+            <a:r>
+              <a:rPr/>
+              <a:t>2%</a:t>
+            </a:r>
+            <a:r>
+              <a:rPr/>
+              <a:t> </a:t>
+            </a:r>
+            <a:r>
+              <a:rPr/>
+              <a:t>sample</a:t>
+            </a:r>
+            <a:r>
+              <a:rPr/>
+              <a:t> </a:t>
+            </a:r>
+            <a:r>
+              <a:rPr/>
+              <a:t>file</a:t>
             </a:r>
           </a:p>
           <a:p>
@@ -4197,7 +4475,7 @@
           <p:spPr>
             <a:xfrm>
               <a:off x="1009845" y="1322639"/>
-              <a:ext cx="7930826" cy="4844159"/>
+              <a:ext cx="7930826" cy="4262806"/>
             </a:xfrm>
             <a:prstGeom prst="rect">
               <a:avLst/>
@@ -4222,7 +4500,7 @@
           </p:nvSpPr>
           <p:spPr>
             <a:xfrm>
-              <a:off x="1009845" y="6166799"/>
+              <a:off x="1009845" y="5585446"/>
               <a:ext cx="7930826" cy="0"/>
             </a:xfrm>
             <a:custGeom>
@@ -4265,7 +4543,7 @@
           </p:nvSpPr>
           <p:spPr>
             <a:xfrm>
-              <a:off x="1009845" y="4804901"/>
+              <a:off x="1009845" y="4386991"/>
               <a:ext cx="7930826" cy="0"/>
             </a:xfrm>
             <a:custGeom>
@@ -4308,7 +4586,7 @@
           </p:nvSpPr>
           <p:spPr>
             <a:xfrm>
-              <a:off x="1009845" y="3443003"/>
+              <a:off x="1009845" y="3188536"/>
               <a:ext cx="7930826" cy="0"/>
             </a:xfrm>
             <a:custGeom>
@@ -4351,7 +4629,7 @@
           </p:nvSpPr>
           <p:spPr>
             <a:xfrm>
-              <a:off x="1009845" y="2081106"/>
+              <a:off x="1009845" y="1990081"/>
               <a:ext cx="7930826" cy="0"/>
             </a:xfrm>
             <a:custGeom>
@@ -4394,8 +4672,8 @@
           </p:nvSpPr>
           <p:spPr>
             <a:xfrm>
-              <a:off x="1042890" y="6119091"/>
-              <a:ext cx="594811" cy="47708"/>
+              <a:off x="1042890" y="5543464"/>
+              <a:ext cx="594811" cy="41982"/>
             </a:xfrm>
             <a:prstGeom prst="rect">
               <a:avLst/>
@@ -4429,8 +4707,8 @@
           </p:nvSpPr>
           <p:spPr>
             <a:xfrm>
-              <a:off x="1703792" y="6070523"/>
-              <a:ext cx="594811" cy="96275"/>
+              <a:off x="1703792" y="5500725"/>
+              <a:ext cx="594811" cy="84721"/>
             </a:xfrm>
             <a:prstGeom prst="rect">
               <a:avLst/>
@@ -4464,8 +4742,8 @@
           </p:nvSpPr>
           <p:spPr>
             <a:xfrm>
-              <a:off x="2364694" y="5937902"/>
-              <a:ext cx="594811" cy="228897"/>
+              <a:off x="2364694" y="5384019"/>
+              <a:ext cx="594811" cy="201426"/>
             </a:xfrm>
             <a:prstGeom prst="rect">
               <a:avLst/>
@@ -4499,8 +4777,8 @@
           </p:nvSpPr>
           <p:spPr>
             <a:xfrm>
-              <a:off x="3025597" y="5744851"/>
-              <a:ext cx="594811" cy="421947"/>
+              <a:off x="3025597" y="5214137"/>
+              <a:ext cx="594811" cy="371309"/>
             </a:xfrm>
             <a:prstGeom prst="rect">
               <a:avLst/>
@@ -4534,8 +4812,8 @@
           </p:nvSpPr>
           <p:spPr>
             <a:xfrm>
-              <a:off x="3686499" y="5455534"/>
-              <a:ext cx="594811" cy="711264"/>
+              <a:off x="3686499" y="4959541"/>
+              <a:ext cx="594811" cy="625905"/>
             </a:xfrm>
             <a:prstGeom prst="rect">
               <a:avLst/>
@@ -4569,8 +4847,8 @@
           </p:nvSpPr>
           <p:spPr>
             <a:xfrm>
-              <a:off x="4347401" y="5143731"/>
-              <a:ext cx="594811" cy="1023067"/>
+              <a:off x="4347401" y="4685158"/>
+              <a:ext cx="594811" cy="900288"/>
             </a:xfrm>
             <a:prstGeom prst="rect">
               <a:avLst/>
@@ -4604,8 +4882,8 @@
           </p:nvSpPr>
           <p:spPr>
             <a:xfrm>
-              <a:off x="5008303" y="4866268"/>
-              <a:ext cx="594811" cy="1300531"/>
+              <a:off x="5008303" y="4440993"/>
+              <a:ext cx="594811" cy="1144452"/>
             </a:xfrm>
             <a:prstGeom prst="rect">
               <a:avLst/>
@@ -4639,8 +4917,8 @@
           </p:nvSpPr>
           <p:spPr>
             <a:xfrm>
-              <a:off x="5669206" y="4551514"/>
-              <a:ext cx="594811" cy="1615284"/>
+              <a:off x="5669206" y="4164014"/>
+              <a:ext cx="594811" cy="1421432"/>
             </a:xfrm>
             <a:prstGeom prst="rect">
               <a:avLst/>
@@ -4674,8 +4952,8 @@
           </p:nvSpPr>
           <p:spPr>
             <a:xfrm>
-              <a:off x="6330108" y="4081288"/>
-              <a:ext cx="594811" cy="2085510"/>
+              <a:off x="6330108" y="3750220"/>
+              <a:ext cx="594811" cy="1835226"/>
             </a:xfrm>
             <a:prstGeom prst="rect">
               <a:avLst/>
@@ -4709,8 +4987,8 @@
           </p:nvSpPr>
           <p:spPr>
             <a:xfrm>
-              <a:off x="6991010" y="3044282"/>
-              <a:ext cx="594811" cy="3122516"/>
+              <a:off x="6991010" y="2837666"/>
+              <a:ext cx="594811" cy="2747780"/>
             </a:xfrm>
             <a:prstGeom prst="rect">
               <a:avLst/>
@@ -4744,8 +5022,8 @@
           </p:nvSpPr>
           <p:spPr>
             <a:xfrm>
-              <a:off x="1042890" y="6083546"/>
-              <a:ext cx="594811" cy="35544"/>
+              <a:off x="1042890" y="5512185"/>
+              <a:ext cx="594811" cy="31279"/>
             </a:xfrm>
             <a:prstGeom prst="rect">
               <a:avLst/>
@@ -4779,8 +5057,8 @@
           </p:nvSpPr>
           <p:spPr>
             <a:xfrm>
-              <a:off x="1703792" y="6018177"/>
-              <a:ext cx="594811" cy="52346"/>
+              <a:off x="1703792" y="5454661"/>
+              <a:ext cx="594811" cy="46064"/>
             </a:xfrm>
             <a:prstGeom prst="rect">
               <a:avLst/>
@@ -4814,8 +5092,8 @@
           </p:nvSpPr>
           <p:spPr>
             <a:xfrm>
-              <a:off x="2364694" y="5807459"/>
-              <a:ext cx="594811" cy="130442"/>
+              <a:off x="2364694" y="5269231"/>
+              <a:ext cx="594811" cy="114788"/>
             </a:xfrm>
             <a:prstGeom prst="rect">
               <a:avLst/>
@@ -4849,8 +5127,8 @@
           </p:nvSpPr>
           <p:spPr>
             <a:xfrm>
-              <a:off x="3025597" y="5521934"/>
-              <a:ext cx="594811" cy="222917"/>
+              <a:off x="3025597" y="5017973"/>
+              <a:ext cx="594811" cy="196164"/>
             </a:xfrm>
             <a:prstGeom prst="rect">
               <a:avLst/>
@@ -4884,8 +5162,8 @@
           </p:nvSpPr>
           <p:spPr>
             <a:xfrm>
-              <a:off x="3686499" y="5115015"/>
-              <a:ext cx="594811" cy="340519"/>
+              <a:off x="3686499" y="4659888"/>
+              <a:ext cx="594811" cy="299653"/>
             </a:xfrm>
             <a:prstGeom prst="rect">
               <a:avLst/>
@@ -4919,8 +5197,8 @@
           </p:nvSpPr>
           <p:spPr>
             <a:xfrm>
-              <a:off x="4347401" y="4720605"/>
-              <a:ext cx="594811" cy="423125"/>
+              <a:off x="4347401" y="4312812"/>
+              <a:ext cx="594811" cy="372346"/>
             </a:xfrm>
             <a:prstGeom prst="rect">
               <a:avLst/>
@@ -4954,8 +5232,8 @@
           </p:nvSpPr>
           <p:spPr>
             <a:xfrm>
-              <a:off x="5008303" y="4316548"/>
-              <a:ext cx="594811" cy="549720"/>
+              <a:off x="5008303" y="3957246"/>
+              <a:ext cx="594811" cy="483747"/>
             </a:xfrm>
             <a:prstGeom prst="rect">
               <a:avLst/>
@@ -4989,8 +5267,8 @@
           </p:nvSpPr>
           <p:spPr>
             <a:xfrm>
-              <a:off x="5669206" y="3757343"/>
-              <a:ext cx="594811" cy="794171"/>
+              <a:off x="5669206" y="3465151"/>
+              <a:ext cx="594811" cy="698862"/>
             </a:xfrm>
             <a:prstGeom prst="rect">
               <a:avLst/>
@@ -5024,8 +5302,8 @@
           </p:nvSpPr>
           <p:spPr>
             <a:xfrm>
-              <a:off x="6330108" y="3067535"/>
-              <a:ext cx="594811" cy="1013753"/>
+              <a:off x="6330108" y="2858128"/>
+              <a:ext cx="594811" cy="892092"/>
             </a:xfrm>
             <a:prstGeom prst="rect">
               <a:avLst/>
@@ -5059,8 +5337,8 @@
           </p:nvSpPr>
           <p:spPr>
             <a:xfrm>
-              <a:off x="6991010" y="1977848"/>
-              <a:ext cx="594811" cy="1066434"/>
+              <a:off x="6991010" y="1899216"/>
+              <a:ext cx="594811" cy="938450"/>
             </a:xfrm>
             <a:prstGeom prst="rect">
               <a:avLst/>
@@ -5094,8 +5372,8 @@
           </p:nvSpPr>
           <p:spPr>
             <a:xfrm>
-              <a:off x="1042890" y="6057401"/>
-              <a:ext cx="594811" cy="26145"/>
+              <a:off x="1042890" y="5489177"/>
+              <a:ext cx="594811" cy="23007"/>
             </a:xfrm>
             <a:prstGeom prst="rect">
               <a:avLst/>
@@ -5129,8 +5407,8 @@
           </p:nvSpPr>
           <p:spPr>
             <a:xfrm>
-              <a:off x="1703792" y="5942837"/>
-              <a:ext cx="594811" cy="75339"/>
+              <a:off x="1703792" y="5388362"/>
+              <a:ext cx="594811" cy="66298"/>
             </a:xfrm>
             <a:prstGeom prst="rect">
               <a:avLst/>
@@ -5164,8 +5442,8 @@
           </p:nvSpPr>
           <p:spPr>
             <a:xfrm>
-              <a:off x="2364694" y="5674810"/>
-              <a:ext cx="594811" cy="132648"/>
+              <a:off x="2364694" y="5152501"/>
+              <a:ext cx="594811" cy="116729"/>
             </a:xfrm>
             <a:prstGeom prst="rect">
               <a:avLst/>
@@ -5199,8 +5477,8 @@
           </p:nvSpPr>
           <p:spPr>
             <a:xfrm>
-              <a:off x="3025597" y="5346577"/>
-              <a:ext cx="594811" cy="175357"/>
+              <a:off x="3025597" y="4863660"/>
+              <a:ext cx="594811" cy="154312"/>
             </a:xfrm>
             <a:prstGeom prst="rect">
               <a:avLst/>
@@ -5234,8 +5512,8 @@
           </p:nvSpPr>
           <p:spPr>
             <a:xfrm>
-              <a:off x="3686499" y="4884699"/>
-              <a:ext cx="594811" cy="230315"/>
+              <a:off x="3686499" y="4457213"/>
+              <a:ext cx="594811" cy="202675"/>
             </a:xfrm>
             <a:prstGeom prst="rect">
               <a:avLst/>
@@ -5269,8 +5547,8 @@
           </p:nvSpPr>
           <p:spPr>
             <a:xfrm>
-              <a:off x="4347401" y="4516430"/>
-              <a:ext cx="594811" cy="204175"/>
+              <a:off x="4347401" y="4133140"/>
+              <a:ext cx="594811" cy="179672"/>
             </a:xfrm>
             <a:prstGeom prst="rect">
               <a:avLst/>
@@ -5304,8 +5582,8 @@
           </p:nvSpPr>
           <p:spPr>
             <a:xfrm>
-              <a:off x="5008303" y="4084731"/>
-              <a:ext cx="594811" cy="231816"/>
+              <a:off x="5008303" y="3753250"/>
+              <a:ext cx="594811" cy="203995"/>
             </a:xfrm>
             <a:prstGeom prst="rect">
               <a:avLst/>
@@ -5339,8 +5617,8 @@
           </p:nvSpPr>
           <p:spPr>
             <a:xfrm>
-              <a:off x="5669206" y="3502537"/>
-              <a:ext cx="594811" cy="254805"/>
+              <a:off x="5669206" y="3240925"/>
+              <a:ext cx="594811" cy="224226"/>
             </a:xfrm>
             <a:prstGeom prst="rect">
               <a:avLst/>
@@ -5374,8 +5652,8 @@
           </p:nvSpPr>
           <p:spPr>
             <a:xfrm>
-              <a:off x="6330108" y="2783060"/>
-              <a:ext cx="594811" cy="284474"/>
+              <a:off x="6330108" y="2607793"/>
+              <a:ext cx="594811" cy="250334"/>
             </a:xfrm>
             <a:prstGeom prst="rect">
               <a:avLst/>
@@ -5409,8 +5687,8 @@
           </p:nvSpPr>
           <p:spPr>
             <a:xfrm>
-              <a:off x="6991010" y="1394228"/>
-              <a:ext cx="594811" cy="583620"/>
+              <a:off x="6991010" y="1385637"/>
+              <a:ext cx="594811" cy="513579"/>
             </a:xfrm>
             <a:prstGeom prst="rect">
               <a:avLst/>
@@ -5444,7 +5722,7 @@
           </p:nvSpPr>
           <p:spPr>
             <a:xfrm>
-              <a:off x="7618867" y="4363095"/>
+              <a:off x="7618867" y="3969111"/>
               <a:ext cx="1333648" cy="214535"/>
             </a:xfrm>
             <a:prstGeom prst="rect">
@@ -5490,7 +5768,7 @@
           </p:nvSpPr>
           <p:spPr>
             <a:xfrm>
-              <a:off x="7618867" y="4630771"/>
+              <a:off x="7618867" y="4236787"/>
               <a:ext cx="1460338" cy="166315"/>
             </a:xfrm>
             <a:prstGeom prst="rect">
@@ -5536,7 +5814,7 @@
           </p:nvSpPr>
           <p:spPr>
             <a:xfrm>
-              <a:off x="7618867" y="2049164"/>
+              <a:off x="7618867" y="1906540"/>
               <a:ext cx="762483" cy="214535"/>
             </a:xfrm>
             <a:prstGeom prst="rect">
@@ -5582,7 +5860,7 @@
           </p:nvSpPr>
           <p:spPr>
             <a:xfrm>
-              <a:off x="7618867" y="2314050"/>
+              <a:off x="7618867" y="2171425"/>
               <a:ext cx="1067432" cy="169105"/>
             </a:xfrm>
             <a:prstGeom prst="rect">
@@ -5628,7 +5906,7 @@
           </p:nvSpPr>
           <p:spPr>
             <a:xfrm>
-              <a:off x="7618867" y="2490866"/>
+              <a:off x="7618867" y="2348242"/>
               <a:ext cx="1028923" cy="211745"/>
             </a:xfrm>
             <a:prstGeom prst="rect">
@@ -5674,7 +5952,7 @@
           </p:nvSpPr>
           <p:spPr>
             <a:xfrm>
-              <a:off x="7618867" y="2755752"/>
+              <a:off x="7618867" y="2613128"/>
               <a:ext cx="1460338" cy="166315"/>
             </a:xfrm>
             <a:prstGeom prst="rect">
@@ -5720,7 +5998,7 @@
           </p:nvSpPr>
           <p:spPr>
             <a:xfrm>
-              <a:off x="7618867" y="1382085"/>
+              <a:off x="7618867" y="1338473"/>
               <a:ext cx="965634" cy="166315"/>
             </a:xfrm>
             <a:prstGeom prst="rect">
@@ -5766,7 +6044,7 @@
           </p:nvSpPr>
           <p:spPr>
             <a:xfrm>
-              <a:off x="7618867" y="1556111"/>
+              <a:off x="7618867" y="1512499"/>
               <a:ext cx="1028923" cy="211745"/>
             </a:xfrm>
             <a:prstGeom prst="rect">
@@ -5812,7 +6090,7 @@
           </p:nvSpPr>
           <p:spPr>
             <a:xfrm>
-              <a:off x="7618867" y="1820997"/>
+              <a:off x="7618867" y="1777385"/>
               <a:ext cx="1460338" cy="166315"/>
             </a:xfrm>
             <a:prstGeom prst="rect">
@@ -5858,7 +6136,7 @@
           </p:nvSpPr>
           <p:spPr>
             <a:xfrm>
-              <a:off x="653086" y="6046360"/>
+              <a:off x="653086" y="5465007"/>
               <a:ext cx="254272" cy="202257"/>
             </a:xfrm>
             <a:prstGeom prst="rect">
@@ -5904,7 +6182,7 @@
           </p:nvSpPr>
           <p:spPr>
             <a:xfrm>
-              <a:off x="208165" y="4675644"/>
+              <a:off x="208165" y="4257734"/>
               <a:ext cx="699194" cy="211075"/>
             </a:xfrm>
             <a:prstGeom prst="rect">
@@ -5950,7 +6228,7 @@
           </p:nvSpPr>
           <p:spPr>
             <a:xfrm>
-              <a:off x="81028" y="3313746"/>
+              <a:off x="81028" y="3059279"/>
               <a:ext cx="826330" cy="211075"/>
             </a:xfrm>
             <a:prstGeom prst="rect">
@@ -5996,7 +6274,7 @@
           </p:nvSpPr>
           <p:spPr>
             <a:xfrm>
-              <a:off x="81028" y="1951848"/>
+              <a:off x="81028" y="1860824"/>
               <a:ext cx="826330" cy="211075"/>
             </a:xfrm>
             <a:prstGeom prst="rect">
@@ -6042,7 +6320,7 @@
           </p:nvSpPr>
           <p:spPr>
             <a:xfrm>
-              <a:off x="1009845" y="6166799"/>
+              <a:off x="1009845" y="5585446"/>
               <a:ext cx="7930826" cy="0"/>
             </a:xfrm>
             <a:custGeom>
@@ -6082,7 +6360,7 @@
           </p:nvSpPr>
           <p:spPr>
             <a:xfrm>
-              <a:off x="1340296" y="6166799"/>
+              <a:off x="1340296" y="5585446"/>
               <a:ext cx="0" cy="56936"/>
             </a:xfrm>
             <a:custGeom>
@@ -6122,7 +6400,7 @@
           </p:nvSpPr>
           <p:spPr>
             <a:xfrm>
-              <a:off x="2001198" y="6166799"/>
+              <a:off x="2001198" y="5585446"/>
               <a:ext cx="0" cy="56936"/>
             </a:xfrm>
             <a:custGeom>
@@ -6162,7 +6440,7 @@
           </p:nvSpPr>
           <p:spPr>
             <a:xfrm>
-              <a:off x="2662100" y="6166799"/>
+              <a:off x="2662100" y="5585446"/>
               <a:ext cx="0" cy="56936"/>
             </a:xfrm>
             <a:custGeom>
@@ -6202,7 +6480,7 @@
           </p:nvSpPr>
           <p:spPr>
             <a:xfrm>
-              <a:off x="3323003" y="6166799"/>
+              <a:off x="3323003" y="5585446"/>
               <a:ext cx="0" cy="56936"/>
             </a:xfrm>
             <a:custGeom>
@@ -6242,7 +6520,7 @@
           </p:nvSpPr>
           <p:spPr>
             <a:xfrm>
-              <a:off x="3983905" y="6166799"/>
+              <a:off x="3983905" y="5585446"/>
               <a:ext cx="0" cy="56936"/>
             </a:xfrm>
             <a:custGeom>
@@ -6282,7 +6560,7 @@
           </p:nvSpPr>
           <p:spPr>
             <a:xfrm>
-              <a:off x="4644807" y="6166799"/>
+              <a:off x="4644807" y="5585446"/>
               <a:ext cx="0" cy="56936"/>
             </a:xfrm>
             <a:custGeom>
@@ -6322,7 +6600,7 @@
           </p:nvSpPr>
           <p:spPr>
             <a:xfrm>
-              <a:off x="5305709" y="6166799"/>
+              <a:off x="5305709" y="5585446"/>
               <a:ext cx="0" cy="56936"/>
             </a:xfrm>
             <a:custGeom>
@@ -6362,7 +6640,7 @@
           </p:nvSpPr>
           <p:spPr>
             <a:xfrm>
-              <a:off x="5966612" y="6166799"/>
+              <a:off x="5966612" y="5585446"/>
               <a:ext cx="0" cy="56936"/>
             </a:xfrm>
             <a:custGeom>
@@ -6402,7 +6680,7 @@
           </p:nvSpPr>
           <p:spPr>
             <a:xfrm>
-              <a:off x="6627514" y="6166799"/>
+              <a:off x="6627514" y="5585446"/>
               <a:ext cx="0" cy="56936"/>
             </a:xfrm>
             <a:custGeom>
@@ -6442,7 +6720,7 @@
           </p:nvSpPr>
           <p:spPr>
             <a:xfrm>
-              <a:off x="7288416" y="6166799"/>
+              <a:off x="7288416" y="5585446"/>
               <a:ext cx="0" cy="56936"/>
             </a:xfrm>
             <a:custGeom>
@@ -6482,7 +6760,7 @@
           </p:nvSpPr>
           <p:spPr>
             <a:xfrm>
-              <a:off x="1276728" y="6268615"/>
+              <a:off x="1276728" y="5687262"/>
               <a:ext cx="127136" cy="164306"/>
             </a:xfrm>
             <a:prstGeom prst="rect">
@@ -6528,7 +6806,7 @@
           </p:nvSpPr>
           <p:spPr>
             <a:xfrm>
-              <a:off x="1937630" y="6268615"/>
+              <a:off x="1937630" y="5687262"/>
               <a:ext cx="127136" cy="164306"/>
             </a:xfrm>
             <a:prstGeom prst="rect">
@@ -6574,7 +6852,7 @@
           </p:nvSpPr>
           <p:spPr>
             <a:xfrm>
-              <a:off x="2598532" y="6265713"/>
+              <a:off x="2598532" y="5684360"/>
               <a:ext cx="127136" cy="167208"/>
             </a:xfrm>
             <a:prstGeom prst="rect">
@@ -6620,7 +6898,7 @@
           </p:nvSpPr>
           <p:spPr>
             <a:xfrm>
-              <a:off x="3259434" y="6269285"/>
+              <a:off x="3259434" y="5687932"/>
               <a:ext cx="127136" cy="163636"/>
             </a:xfrm>
             <a:prstGeom prst="rect">
@@ -6666,7 +6944,7 @@
           </p:nvSpPr>
           <p:spPr>
             <a:xfrm>
-              <a:off x="3920337" y="6268726"/>
+              <a:off x="3920337" y="5687374"/>
               <a:ext cx="127136" cy="164194"/>
             </a:xfrm>
             <a:prstGeom prst="rect">
@@ -6712,7 +6990,7 @@
           </p:nvSpPr>
           <p:spPr>
             <a:xfrm>
-              <a:off x="4581239" y="6265824"/>
+              <a:off x="4581239" y="5684472"/>
               <a:ext cx="127136" cy="167096"/>
             </a:xfrm>
             <a:prstGeom prst="rect">
@@ -6758,7 +7036,7 @@
           </p:nvSpPr>
           <p:spPr>
             <a:xfrm>
-              <a:off x="5242141" y="6271405"/>
+              <a:off x="5242141" y="5690053"/>
               <a:ext cx="127136" cy="161515"/>
             </a:xfrm>
             <a:prstGeom prst="rect">
@@ -6804,7 +7082,7 @@
           </p:nvSpPr>
           <p:spPr>
             <a:xfrm>
-              <a:off x="5903043" y="6265824"/>
+              <a:off x="5903043" y="5684472"/>
               <a:ext cx="127136" cy="167096"/>
             </a:xfrm>
             <a:prstGeom prst="rect">
@@ -6850,7 +7128,7 @@
           </p:nvSpPr>
           <p:spPr>
             <a:xfrm>
-              <a:off x="6563946" y="6265824"/>
+              <a:off x="6563946" y="5684472"/>
               <a:ext cx="127136" cy="167096"/>
             </a:xfrm>
             <a:prstGeom prst="rect">
@@ -6896,7 +7174,7 @@
           </p:nvSpPr>
           <p:spPr>
             <a:xfrm>
-              <a:off x="7161280" y="6265824"/>
+              <a:off x="7161280" y="5684472"/>
               <a:ext cx="254272" cy="167096"/>
             </a:xfrm>
             <a:prstGeom prst="rect">
@@ -6942,7 +7220,7 @@
           </p:nvSpPr>
           <p:spPr>
             <a:xfrm>
-              <a:off x="3838007" y="6535287"/>
+              <a:off x="3838007" y="5953935"/>
               <a:ext cx="2274503" cy="166315"/>
             </a:xfrm>
             <a:prstGeom prst="rect">
@@ -6976,6 +7254,144 @@
                   <a:cs typeface="Arial"/>
                 </a:rPr>
                 <a:t>Taxable income decile</a:t>
+              </a:r>
+            </a:p>
+          </p:txBody>
+        </p:sp>
+        <p:sp>
+          <p:nvSpPr>
+            <p:cNvPr id="77" name="tx75"/>
+            <p:cNvSpPr/>
+            <p:nvPr/>
+          </p:nvSpPr>
+          <p:spPr>
+            <a:xfrm>
+              <a:off x="81028" y="6330270"/>
+              <a:ext cx="9066091" cy="118695"/>
+            </a:xfrm>
+            <a:prstGeom prst="rect">
+              <a:avLst/>
+            </a:prstGeom>
+            <a:noFill/>
+          </p:spPr>
+          <p:txBody>
+            <a:bodyPr lIns="0" rIns="0" tIns="0" bIns="0" anchorCtr="1" anchor="ctr" wrap="none"/>
+            <a:lstStyle/>
+            <a:p>
+              <a:pPr algn="l" marL="0" marR="0" indent="0">
+                <a:lnSpc>
+                  <a:spcPts val="999"/>
+                </a:lnSpc>
+                <a:spcBef>
+                  <a:spcPts val="0"/>
+                </a:spcBef>
+                <a:spcAft>
+                  <a:spcPts val="0"/>
+                </a:spcAft>
+              </a:pPr>
+              <a:r>
+                <a:rPr sz="999" i="1">
+                  <a:solidFill>
+                    <a:srgbClr val="000000">
+                      <a:alpha val="100000"/>
+                    </a:srgbClr>
+                  </a:solidFill>
+                  <a:latin typeface="Arial"/>
+                  <a:cs typeface="Arial"/>
+                </a:rPr>
+                <a:t>Notes: Projections to 2020-21 assume 2% wage growth and 0% growth in the number of taxfilers from 2019-20 to 2020-21. Taxable income deciles based on 50+</a:t>
+              </a:r>
+            </a:p>
+          </p:txBody>
+        </p:sp>
+        <p:sp>
+          <p:nvSpPr>
+            <p:cNvPr id="78" name="tx76"/>
+            <p:cNvSpPr/>
+            <p:nvPr/>
+          </p:nvSpPr>
+          <p:spPr>
+            <a:xfrm>
+              <a:off x="81028" y="6466921"/>
+              <a:ext cx="740360" cy="119067"/>
+            </a:xfrm>
+            <a:prstGeom prst="rect">
+              <a:avLst/>
+            </a:prstGeom>
+            <a:noFill/>
+          </p:spPr>
+          <p:txBody>
+            <a:bodyPr lIns="0" rIns="0" tIns="0" bIns="0" anchorCtr="1" anchor="ctr" wrap="none"/>
+            <a:lstStyle/>
+            <a:p>
+              <a:pPr algn="l" marL="0" marR="0" indent="0">
+                <a:lnSpc>
+                  <a:spcPts val="999"/>
+                </a:lnSpc>
+                <a:spcBef>
+                  <a:spcPts val="0"/>
+                </a:spcBef>
+                <a:spcAft>
+                  <a:spcPts val="0"/>
+                </a:spcAft>
+              </a:pPr>
+              <a:r>
+                <a:rPr sz="999" i="1">
+                  <a:solidFill>
+                    <a:srgbClr val="000000">
+                      <a:alpha val="100000"/>
+                    </a:srgbClr>
+                  </a:solidFill>
+                  <a:latin typeface="Arial"/>
+                  <a:cs typeface="Arial"/>
+                </a:rPr>
+                <a:t>taxfilers only.</a:t>
+              </a:r>
+            </a:p>
+          </p:txBody>
+        </p:sp>
+        <p:sp>
+          <p:nvSpPr>
+            <p:cNvPr id="79" name="tx77"/>
+            <p:cNvSpPr/>
+            <p:nvPr/>
+          </p:nvSpPr>
+          <p:spPr>
+            <a:xfrm>
+              <a:off x="81028" y="6605431"/>
+              <a:ext cx="2094457" cy="117580"/>
+            </a:xfrm>
+            <a:prstGeom prst="rect">
+              <a:avLst/>
+            </a:prstGeom>
+            <a:noFill/>
+          </p:spPr>
+          <p:txBody>
+            <a:bodyPr lIns="0" rIns="0" tIns="0" bIns="0" anchorCtr="1" anchor="ctr" wrap="none"/>
+            <a:lstStyle/>
+            <a:p>
+              <a:pPr algn="l" marL="0" marR="0" indent="0">
+                <a:lnSpc>
+                  <a:spcPts val="999"/>
+                </a:lnSpc>
+                <a:spcBef>
+                  <a:spcPts val="0"/>
+                </a:spcBef>
+                <a:spcAft>
+                  <a:spcPts val="0"/>
+                </a:spcAft>
+              </a:pPr>
+              <a:r>
+                <a:rPr sz="999" i="1">
+                  <a:solidFill>
+                    <a:srgbClr val="000000">
+                      <a:alpha val="100000"/>
+                    </a:srgbClr>
+                  </a:solidFill>
+                  <a:latin typeface="Arial"/>
+                  <a:cs typeface="Arial"/>
+                </a:rPr>
+                <a:t>Source: ATO 2017-18 2% sample file</a:t>
               </a:r>
             </a:p>
           </p:txBody>
